--- a/2018-02-05_BroadE_workshop/slides/2018-02-05_07_Class Prediction.pptx
+++ b/2018-02-05_BroadE_workshop/slides/2018-02-05_07_Class Prediction.pptx
@@ -6,7 +6,7 @@
     <p:sldMasterId id="2147483803" r:id="rId2"/>
   </p:sldMasterIdLst>
   <p:notesMasterIdLst>
-    <p:notesMasterId r:id="rId23"/>
+    <p:notesMasterId r:id="rId24"/>
   </p:notesMasterIdLst>
   <p:sldIdLst>
     <p:sldId id="256" r:id="rId3"/>
@@ -29,44 +29,45 @@
     <p:sldId id="273" r:id="rId20"/>
     <p:sldId id="274" r:id="rId21"/>
     <p:sldId id="275" r:id="rId22"/>
+    <p:sldId id="276" r:id="rId23"/>
   </p:sldIdLst>
   <p:sldSz cx="9144000" cy="6858000" type="screen4x3"/>
   <p:notesSz cx="7010400" cy="9372600"/>
   <p:embeddedFontLst>
     <p:embeddedFont>
+      <p:font typeface="Comic Sans MS" panose="030F0702030302020204" pitchFamily="66" charset="0"/>
+      <p:regular r:id="rId25"/>
+      <p:bold r:id="rId26"/>
+      <p:italic r:id="rId27"/>
+      <p:boldItalic r:id="rId28"/>
+    </p:embeddedFont>
+    <p:embeddedFont>
       <p:font typeface="Calibri Light" panose="020F0302020204030204" pitchFamily="34" charset="0"/>
-      <p:regular r:id="rId24"/>
-      <p:italic r:id="rId25"/>
+      <p:regular r:id="rId29"/>
+      <p:italic r:id="rId30"/>
     </p:embeddedFont>
     <p:embeddedFont>
       <p:font typeface="Calibri" panose="020F0502020204030204" pitchFamily="34" charset="0"/>
-      <p:regular r:id="rId26"/>
-      <p:bold r:id="rId27"/>
-      <p:italic r:id="rId28"/>
-      <p:boldItalic r:id="rId29"/>
-    </p:embeddedFont>
-    <p:embeddedFont>
-      <p:font typeface="ＭＳ Ｐゴシック" panose="020B0600070205080204" pitchFamily="34" charset="-128"/>
-      <p:regular r:id="rId30"/>
-    </p:embeddedFont>
-    <p:embeddedFont>
-      <p:font typeface="Arial Narrow" panose="020B0606020202030204" pitchFamily="34" charset="0"/>
       <p:regular r:id="rId31"/>
       <p:bold r:id="rId32"/>
       <p:italic r:id="rId33"/>
       <p:boldItalic r:id="rId34"/>
     </p:embeddedFont>
     <p:embeddedFont>
-      <p:font typeface="Tahoma" panose="020B0604030504040204" pitchFamily="34" charset="0"/>
+      <p:font typeface="ＭＳ Ｐゴシック" panose="020B0600070205080204" pitchFamily="34" charset="-128"/>
       <p:regular r:id="rId35"/>
-      <p:bold r:id="rId36"/>
     </p:embeddedFont>
     <p:embeddedFont>
-      <p:font typeface="Comic Sans MS" panose="030F0702030302020204" pitchFamily="66" charset="0"/>
-      <p:regular r:id="rId37"/>
-      <p:bold r:id="rId38"/>
-      <p:italic r:id="rId39"/>
-      <p:boldItalic r:id="rId40"/>
+      <p:font typeface="Arial Narrow" panose="020B0606020202030204" pitchFamily="34" charset="0"/>
+      <p:regular r:id="rId36"/>
+      <p:bold r:id="rId37"/>
+      <p:italic r:id="rId38"/>
+      <p:boldItalic r:id="rId39"/>
+    </p:embeddedFont>
+    <p:embeddedFont>
+      <p:font typeface="Tahoma" panose="020B0604030504040204" pitchFamily="34" charset="0"/>
+      <p:regular r:id="rId40"/>
+      <p:bold r:id="rId41"/>
     </p:embeddedFont>
   </p:embeddedFontLst>
   <p:defaultTextStyle>
@@ -271,6 +272,11 @@
       </a:defRPr>
     </a:lvl9pPr>
   </p:defaultTextStyle>
+  <p:extLst>
+    <p:ext uri="{EFAFB233-063F-42B5-8137-9DF3F51BA10A}">
+      <p15:sldGuideLst xmlns:p15="http://schemas.microsoft.com/office/powerpoint/2012/main"/>
+    </p:ext>
+  </p:extLst>
 </p:presentation>
 </file>
 
@@ -14436,7 +14442,7 @@
           <a:p>
             <a:fld id="{3B83B605-E84F-4A3D-92E5-81A662FB1085}" type="datetimeFigureOut">
               <a:rPr lang="en-US" smtClean="0"/>
-              <a:t>1/31/2018</a:t>
+              <a:t>2/4/2018</a:t>
             </a:fld>
             <a:endParaRPr lang="en-US"/>
           </a:p>
@@ -14607,7 +14613,7 @@
           <a:p>
             <a:fld id="{3B83B605-E84F-4A3D-92E5-81A662FB1085}" type="datetimeFigureOut">
               <a:rPr lang="en-US" smtClean="0"/>
-              <a:t>1/31/2018</a:t>
+              <a:t>2/4/2018</a:t>
             </a:fld>
             <a:endParaRPr lang="en-US"/>
           </a:p>
@@ -14854,7 +14860,7 @@
           <a:p>
             <a:fld id="{3B83B605-E84F-4A3D-92E5-81A662FB1085}" type="datetimeFigureOut">
               <a:rPr lang="en-US" smtClean="0"/>
-              <a:t>1/31/2018</a:t>
+              <a:t>2/4/2018</a:t>
             </a:fld>
             <a:endParaRPr lang="en-US"/>
           </a:p>
@@ -15087,7 +15093,7 @@
           <a:p>
             <a:fld id="{3B83B605-E84F-4A3D-92E5-81A662FB1085}" type="datetimeFigureOut">
               <a:rPr lang="en-US" smtClean="0"/>
-              <a:t>1/31/2018</a:t>
+              <a:t>2/4/2018</a:t>
             </a:fld>
             <a:endParaRPr lang="en-US"/>
           </a:p>
@@ -15455,7 +15461,7 @@
           <a:p>
             <a:fld id="{3B83B605-E84F-4A3D-92E5-81A662FB1085}" type="datetimeFigureOut">
               <a:rPr lang="en-US" smtClean="0"/>
-              <a:t>1/31/2018</a:t>
+              <a:t>2/4/2018</a:t>
             </a:fld>
             <a:endParaRPr lang="en-US"/>
           </a:p>
@@ -15574,7 +15580,7 @@
           <a:p>
             <a:fld id="{3B83B605-E84F-4A3D-92E5-81A662FB1085}" type="datetimeFigureOut">
               <a:rPr lang="en-US" smtClean="0"/>
-              <a:t>1/31/2018</a:t>
+              <a:t>2/4/2018</a:t>
             </a:fld>
             <a:endParaRPr lang="en-US"/>
           </a:p>
@@ -15670,7 +15676,7 @@
           <a:p>
             <a:fld id="{3B83B605-E84F-4A3D-92E5-81A662FB1085}" type="datetimeFigureOut">
               <a:rPr lang="en-US" smtClean="0"/>
-              <a:t>1/31/2018</a:t>
+              <a:t>2/4/2018</a:t>
             </a:fld>
             <a:endParaRPr lang="en-US"/>
           </a:p>
@@ -15948,7 +15954,7 @@
           <a:p>
             <a:fld id="{3B83B605-E84F-4A3D-92E5-81A662FB1085}" type="datetimeFigureOut">
               <a:rPr lang="en-US" smtClean="0"/>
-              <a:t>1/31/2018</a:t>
+              <a:t>2/4/2018</a:t>
             </a:fld>
             <a:endParaRPr lang="en-US"/>
           </a:p>
@@ -16838,7 +16844,7 @@
           <a:p>
             <a:fld id="{3B83B605-E84F-4A3D-92E5-81A662FB1085}" type="datetimeFigureOut">
               <a:rPr lang="en-US" smtClean="0"/>
-              <a:t>1/31/2018</a:t>
+              <a:t>2/4/2018</a:t>
             </a:fld>
             <a:endParaRPr lang="en-US"/>
           </a:p>
@@ -17009,7 +17015,7 @@
           <a:p>
             <a:fld id="{3B83B605-E84F-4A3D-92E5-81A662FB1085}" type="datetimeFigureOut">
               <a:rPr lang="en-US" smtClean="0"/>
-              <a:t>1/31/2018</a:t>
+              <a:t>2/4/2018</a:t>
             </a:fld>
             <a:endParaRPr lang="en-US"/>
           </a:p>
@@ -17190,7 +17196,7 @@
           <a:p>
             <a:fld id="{3B83B605-E84F-4A3D-92E5-81A662FB1085}" type="datetimeFigureOut">
               <a:rPr lang="en-US" smtClean="0"/>
-              <a:t>1/31/2018</a:t>
+              <a:t>2/4/2018</a:t>
             </a:fld>
             <a:endParaRPr lang="en-US"/>
           </a:p>
@@ -23788,7 +23794,7 @@
           <a:p>
             <a:fld id="{3B83B605-E84F-4A3D-92E5-81A662FB1085}" type="datetimeFigureOut">
               <a:rPr lang="en-US" smtClean="0"/>
-              <a:t>1/31/2018</a:t>
+              <a:t>2/4/2018</a:t>
             </a:fld>
             <a:endParaRPr lang="en-US"/>
           </a:p>
@@ -28110,11 +28116,11 @@
   <p:clrMapOvr>
     <a:masterClrMapping/>
   </p:clrMapOvr>
-  <mc:AlternateContent xmlns:mc="http://schemas.openxmlformats.org/markup-compatibility/2006">
-    <mc:Choice xmlns:p14="http://schemas.microsoft.com/office/powerpoint/2010/main" Requires="p14">
+  <mc:AlternateContent xmlns:mc="http://schemas.openxmlformats.org/markup-compatibility/2006" xmlns:p14="http://schemas.microsoft.com/office/powerpoint/2010/main">
+    <mc:Choice Requires="p14">
       <p:transition spd="slow" p14:dur="2000"/>
     </mc:Choice>
-    <mc:Fallback>
+    <mc:Fallback xmlns="">
       <p:transition spd="slow"/>
     </mc:Fallback>
   </mc:AlternateContent>
@@ -30564,14 +30570,21 @@
   <p:clrMapOvr>
     <a:masterClrMapping/>
   </p:clrMapOvr>
-  <mc:AlternateContent xmlns:mc="http://schemas.openxmlformats.org/markup-compatibility/2006">
-    <mc:Choice xmlns:p14="http://schemas.microsoft.com/office/powerpoint/2010/main" Requires="p14">
+  <mc:AlternateContent xmlns:mc="http://schemas.openxmlformats.org/markup-compatibility/2006" xmlns:p14="http://schemas.microsoft.com/office/powerpoint/2010/main">
+    <mc:Choice Requires="p14">
       <p:transition spd="slow" p14:dur="2000"/>
     </mc:Choice>
-    <mc:Fallback>
+    <mc:Fallback xmlns="">
       <p:transition spd="slow"/>
     </mc:Fallback>
   </mc:AlternateContent>
+  <p:timing>
+    <p:tnLst>
+      <p:par>
+        <p:cTn id="1" dur="indefinite" restart="never" nodeType="tmRoot"/>
+      </p:par>
+    </p:tnLst>
+  </p:timing>
 </p:sld>
 </file>
 
@@ -31581,11 +31594,11 @@
   <p:clrMapOvr>
     <a:masterClrMapping/>
   </p:clrMapOvr>
-  <mc:AlternateContent xmlns:mc="http://schemas.openxmlformats.org/markup-compatibility/2006">
-    <mc:Choice xmlns:p14="http://schemas.microsoft.com/office/powerpoint/2010/main" Requires="p14">
+  <mc:AlternateContent xmlns:mc="http://schemas.openxmlformats.org/markup-compatibility/2006" xmlns:p14="http://schemas.microsoft.com/office/powerpoint/2010/main">
+    <mc:Choice Requires="p14">
       <p:transition spd="slow" p14:dur="2000"/>
     </mc:Choice>
-    <mc:Fallback>
+    <mc:Fallback xmlns="">
       <p:transition spd="slow"/>
     </mc:Fallback>
   </mc:AlternateContent>
@@ -33434,14 +33447,21 @@
   <p:clrMapOvr>
     <a:masterClrMapping/>
   </p:clrMapOvr>
-  <mc:AlternateContent xmlns:mc="http://schemas.openxmlformats.org/markup-compatibility/2006">
-    <mc:Choice xmlns:p14="http://schemas.microsoft.com/office/powerpoint/2010/main" Requires="p14">
+  <mc:AlternateContent xmlns:mc="http://schemas.openxmlformats.org/markup-compatibility/2006" xmlns:p14="http://schemas.microsoft.com/office/powerpoint/2010/main">
+    <mc:Choice Requires="p14">
       <p:transition spd="slow" p14:dur="2000"/>
     </mc:Choice>
-    <mc:Fallback>
+    <mc:Fallback xmlns="">
       <p:transition spd="slow"/>
     </mc:Fallback>
   </mc:AlternateContent>
+  <p:timing>
+    <p:tnLst>
+      <p:par>
+        <p:cTn id="1" dur="indefinite" restart="never" nodeType="tmRoot"/>
+      </p:par>
+    </p:tnLst>
+  </p:timing>
 </p:sld>
 </file>
 
@@ -34019,14 +34039,21 @@
   <p:clrMapOvr>
     <a:masterClrMapping/>
   </p:clrMapOvr>
-  <mc:AlternateContent xmlns:mc="http://schemas.openxmlformats.org/markup-compatibility/2006">
-    <mc:Choice xmlns:p14="http://schemas.microsoft.com/office/powerpoint/2010/main" Requires="p14">
+  <mc:AlternateContent xmlns:mc="http://schemas.openxmlformats.org/markup-compatibility/2006" xmlns:p14="http://schemas.microsoft.com/office/powerpoint/2010/main">
+    <mc:Choice Requires="p14">
       <p:transition spd="slow" p14:dur="2000"/>
     </mc:Choice>
-    <mc:Fallback>
+    <mc:Fallback xmlns="">
       <p:transition spd="slow"/>
     </mc:Fallback>
   </mc:AlternateContent>
+  <p:timing>
+    <p:tnLst>
+      <p:par>
+        <p:cTn id="1" dur="indefinite" restart="never" nodeType="tmRoot"/>
+      </p:par>
+    </p:tnLst>
+  </p:timing>
 </p:sld>
 </file>
 
@@ -34556,14 +34583,21 @@
   <p:clrMapOvr>
     <a:masterClrMapping/>
   </p:clrMapOvr>
-  <mc:AlternateContent xmlns:mc="http://schemas.openxmlformats.org/markup-compatibility/2006">
-    <mc:Choice xmlns:p14="http://schemas.microsoft.com/office/powerpoint/2010/main" Requires="p14">
+  <mc:AlternateContent xmlns:mc="http://schemas.openxmlformats.org/markup-compatibility/2006" xmlns:p14="http://schemas.microsoft.com/office/powerpoint/2010/main">
+    <mc:Choice Requires="p14">
       <p:transition spd="slow" p14:dur="2000"/>
     </mc:Choice>
-    <mc:Fallback>
+    <mc:Fallback xmlns="">
       <p:transition spd="slow"/>
     </mc:Fallback>
   </mc:AlternateContent>
+  <p:timing>
+    <p:tnLst>
+      <p:par>
+        <p:cTn id="1" dur="indefinite" restart="never" nodeType="tmRoot"/>
+      </p:par>
+    </p:tnLst>
+  </p:timing>
 </p:sld>
 </file>
 
@@ -35476,6 +35510,125 @@
   <p:clrMapOvr>
     <a:masterClrMapping/>
   </p:clrMapOvr>
+  <p:timing>
+    <p:tnLst>
+      <p:par>
+        <p:cTn id="1" dur="indefinite" restart="never" nodeType="tmRoot"/>
+      </p:par>
+    </p:tnLst>
+  </p:timing>
+</p:sld>
+</file>
+
+<file path=ppt/slides/slide21.xml><?xml version="1.0" encoding="utf-8"?>
+<p:sld xmlns:a="http://schemas.openxmlformats.org/drawingml/2006/main" xmlns:r="http://schemas.openxmlformats.org/officeDocument/2006/relationships" xmlns:p="http://schemas.openxmlformats.org/presentationml/2006/main">
+  <p:cSld>
+    <p:spTree>
+      <p:nvGrpSpPr>
+        <p:cNvPr id="1" name=""/>
+        <p:cNvGrpSpPr/>
+        <p:nvPr/>
+      </p:nvGrpSpPr>
+      <p:grpSpPr>
+        <a:xfrm>
+          <a:off x="0" y="0"/>
+          <a:ext cx="0" cy="0"/>
+          <a:chOff x="0" y="0"/>
+          <a:chExt cx="0" cy="0"/>
+        </a:xfrm>
+      </p:grpSpPr>
+      <p:sp>
+        <p:nvSpPr>
+          <p:cNvPr id="2" name="TextBox 1"/>
+          <p:cNvSpPr txBox="1"/>
+          <p:nvPr/>
+        </p:nvSpPr>
+        <p:spPr>
+          <a:xfrm>
+            <a:off x="2810933" y="2760132"/>
+            <a:ext cx="5486400" cy="769441"/>
+          </a:xfrm>
+          <a:prstGeom prst="rect">
+            <a:avLst/>
+          </a:prstGeom>
+          <a:noFill/>
+        </p:spPr>
+        <p:txBody>
+          <a:bodyPr wrap="square" rtlCol="0">
+            <a:spAutoFit/>
+          </a:bodyPr>
+          <a:lstStyle/>
+          <a:p>
+            <a:r>
+              <a:rPr lang="en-US" sz="4400" b="1" dirty="0" smtClean="0">
+                <a:effectLst>
+                  <a:outerShdw blurRad="38100" dist="38100" dir="2700000" algn="tl">
+                    <a:srgbClr val="000000">
+                      <a:alpha val="43137"/>
+                    </a:srgbClr>
+                  </a:outerShdw>
+                </a:effectLst>
+                <a:latin typeface="+mn-lt"/>
+              </a:rPr>
+              <a:t>Break (15 minutes)</a:t>
+            </a:r>
+            <a:endParaRPr lang="en-US" sz="4400" b="1" dirty="0">
+              <a:effectLst>
+                <a:outerShdw blurRad="38100" dist="38100" dir="2700000" algn="tl">
+                  <a:srgbClr val="000000">
+                    <a:alpha val="43137"/>
+                  </a:srgbClr>
+                </a:outerShdw>
+              </a:effectLst>
+              <a:latin typeface="+mn-lt"/>
+            </a:endParaRPr>
+          </a:p>
+        </p:txBody>
+      </p:sp>
+      <p:pic>
+        <p:nvPicPr>
+          <p:cNvPr id="3" name="Shape 265"/>
+          <p:cNvPicPr preferRelativeResize="0"/>
+          <p:nvPr/>
+        </p:nvPicPr>
+        <p:blipFill rotWithShape="1">
+          <a:blip r:embed="rId2">
+            <a:alphaModFix/>
+          </a:blip>
+          <a:srcRect/>
+          <a:stretch/>
+        </p:blipFill>
+        <p:spPr>
+          <a:xfrm>
+            <a:off x="1490134" y="2563828"/>
+            <a:ext cx="1114425" cy="1162050"/>
+          </a:xfrm>
+          <a:prstGeom prst="rect">
+            <a:avLst/>
+          </a:prstGeom>
+          <a:noFill/>
+          <a:ln>
+            <a:noFill/>
+          </a:ln>
+        </p:spPr>
+      </p:pic>
+    </p:spTree>
+    <p:extLst>
+      <p:ext uri="{BB962C8B-B14F-4D97-AF65-F5344CB8AC3E}">
+        <p14:creationId xmlns:p14="http://schemas.microsoft.com/office/powerpoint/2010/main" val="765592186"/>
+      </p:ext>
+    </p:extLst>
+  </p:cSld>
+  <p:clrMapOvr>
+    <a:masterClrMapping/>
+  </p:clrMapOvr>
+  <p:timing>
+    <p:tnLst>
+      <p:par>
+        <p:cTn id="1" dur="indefinite" restart="never" nodeType="tmRoot"/>
+      </p:par>
+    </p:tnLst>
+  </p:timing>
 </p:sld>
 </file>
 
@@ -38564,14 +38717,21 @@
   <p:clrMapOvr>
     <a:masterClrMapping/>
   </p:clrMapOvr>
-  <mc:AlternateContent xmlns:mc="http://schemas.openxmlformats.org/markup-compatibility/2006">
-    <mc:Choice xmlns:p14="http://schemas.microsoft.com/office/powerpoint/2010/main" Requires="p14">
+  <mc:AlternateContent xmlns:mc="http://schemas.openxmlformats.org/markup-compatibility/2006" xmlns:p14="http://schemas.microsoft.com/office/powerpoint/2010/main">
+    <mc:Choice Requires="p14">
       <p:transition spd="slow" p14:dur="2000"/>
     </mc:Choice>
-    <mc:Fallback>
+    <mc:Fallback xmlns="">
       <p:transition spd="slow"/>
     </mc:Fallback>
   </mc:AlternateContent>
+  <p:timing>
+    <p:tnLst>
+      <p:par>
+        <p:cTn id="1" dur="indefinite" restart="never" nodeType="tmRoot"/>
+      </p:par>
+    </p:tnLst>
+  </p:timing>
 </p:sld>
 </file>
 
@@ -41255,6 +41415,13 @@
   <p:clrMapOvr>
     <a:masterClrMapping/>
   </p:clrMapOvr>
+  <p:timing>
+    <p:tnLst>
+      <p:par>
+        <p:cTn id="1" dur="indefinite" restart="never" nodeType="tmRoot"/>
+      </p:par>
+    </p:tnLst>
+  </p:timing>
 </p:sld>
 </file>
 
